--- a/Node.js Notes.pptx
+++ b/Node.js Notes.pptx
@@ -10,6 +10,9 @@
     <p:sldId id="258" r:id="rId4"/>
     <p:sldId id="259" r:id="rId5"/>
     <p:sldId id="260" r:id="rId6"/>
+    <p:sldId id="261" r:id="rId7"/>
+    <p:sldId id="262" r:id="rId8"/>
+    <p:sldId id="263" r:id="rId9"/>
   </p:sldIdLst>
   <p:sldSz cx="9144000" cy="6858000" type="screen4x3"/>
   <p:notesSz cx="6858000" cy="9144000"/>
@@ -292,7 +295,7 @@
           <a:p>
             <a:fld id="{E06074B2-3150-4A61-8B81-F835A6785922}" type="datetimeFigureOut">
               <a:rPr lang="en-US" smtClean="0"/>
-              <a:t>7/4/2020</a:t>
+              <a:t>7/19/2020</a:t>
             </a:fld>
             <a:endParaRPr lang="en-US"/>
           </a:p>
@@ -462,7 +465,7 @@
           <a:p>
             <a:fld id="{E06074B2-3150-4A61-8B81-F835A6785922}" type="datetimeFigureOut">
               <a:rPr lang="en-US" smtClean="0"/>
-              <a:t>7/4/2020</a:t>
+              <a:t>7/19/2020</a:t>
             </a:fld>
             <a:endParaRPr lang="en-US"/>
           </a:p>
@@ -642,7 +645,7 @@
           <a:p>
             <a:fld id="{E06074B2-3150-4A61-8B81-F835A6785922}" type="datetimeFigureOut">
               <a:rPr lang="en-US" smtClean="0"/>
-              <a:t>7/4/2020</a:t>
+              <a:t>7/19/2020</a:t>
             </a:fld>
             <a:endParaRPr lang="en-US"/>
           </a:p>
@@ -812,7 +815,7 @@
           <a:p>
             <a:fld id="{E06074B2-3150-4A61-8B81-F835A6785922}" type="datetimeFigureOut">
               <a:rPr lang="en-US" smtClean="0"/>
-              <a:t>7/4/2020</a:t>
+              <a:t>7/19/2020</a:t>
             </a:fld>
             <a:endParaRPr lang="en-US"/>
           </a:p>
@@ -1058,7 +1061,7 @@
           <a:p>
             <a:fld id="{E06074B2-3150-4A61-8B81-F835A6785922}" type="datetimeFigureOut">
               <a:rPr lang="en-US" smtClean="0"/>
-              <a:t>7/4/2020</a:t>
+              <a:t>7/19/2020</a:t>
             </a:fld>
             <a:endParaRPr lang="en-US"/>
           </a:p>
@@ -1346,7 +1349,7 @@
           <a:p>
             <a:fld id="{E06074B2-3150-4A61-8B81-F835A6785922}" type="datetimeFigureOut">
               <a:rPr lang="en-US" smtClean="0"/>
-              <a:t>7/4/2020</a:t>
+              <a:t>7/19/2020</a:t>
             </a:fld>
             <a:endParaRPr lang="en-US"/>
           </a:p>
@@ -1768,7 +1771,7 @@
           <a:p>
             <a:fld id="{E06074B2-3150-4A61-8B81-F835A6785922}" type="datetimeFigureOut">
               <a:rPr lang="en-US" smtClean="0"/>
-              <a:t>7/4/2020</a:t>
+              <a:t>7/19/2020</a:t>
             </a:fld>
             <a:endParaRPr lang="en-US"/>
           </a:p>
@@ -1886,7 +1889,7 @@
           <a:p>
             <a:fld id="{E06074B2-3150-4A61-8B81-F835A6785922}" type="datetimeFigureOut">
               <a:rPr lang="en-US" smtClean="0"/>
-              <a:t>7/4/2020</a:t>
+              <a:t>7/19/2020</a:t>
             </a:fld>
             <a:endParaRPr lang="en-US"/>
           </a:p>
@@ -1981,7 +1984,7 @@
           <a:p>
             <a:fld id="{E06074B2-3150-4A61-8B81-F835A6785922}" type="datetimeFigureOut">
               <a:rPr lang="en-US" smtClean="0"/>
-              <a:t>7/4/2020</a:t>
+              <a:t>7/19/2020</a:t>
             </a:fld>
             <a:endParaRPr lang="en-US"/>
           </a:p>
@@ -2258,7 +2261,7 @@
           <a:p>
             <a:fld id="{E06074B2-3150-4A61-8B81-F835A6785922}" type="datetimeFigureOut">
               <a:rPr lang="en-US" smtClean="0"/>
-              <a:t>7/4/2020</a:t>
+              <a:t>7/19/2020</a:t>
             </a:fld>
             <a:endParaRPr lang="en-US"/>
           </a:p>
@@ -2511,7 +2514,7 @@
           <a:p>
             <a:fld id="{E06074B2-3150-4A61-8B81-F835A6785922}" type="datetimeFigureOut">
               <a:rPr lang="en-US" smtClean="0"/>
-              <a:t>7/4/2020</a:t>
+              <a:t>7/19/2020</a:t>
             </a:fld>
             <a:endParaRPr lang="en-US"/>
           </a:p>
@@ -2724,7 +2727,7 @@
           <a:p>
             <a:fld id="{E06074B2-3150-4A61-8B81-F835A6785922}" type="datetimeFigureOut">
               <a:rPr lang="en-US" smtClean="0"/>
-              <a:t>7/4/2020</a:t>
+              <a:t>7/19/2020</a:t>
             </a:fld>
             <a:endParaRPr lang="en-US"/>
           </a:p>
@@ -3764,6 +3767,156 @@
     <p:extLst>
       <p:ext uri="{BB962C8B-B14F-4D97-AF65-F5344CB8AC3E}">
         <p14:creationId xmlns:p14="http://schemas.microsoft.com/office/powerpoint/2010/main" val="911802614"/>
+      </p:ext>
+    </p:extLst>
+  </p:cSld>
+  <p:clrMapOvr>
+    <a:masterClrMapping/>
+  </p:clrMapOvr>
+</p:sld>
+</file>
+
+<file path=ppt/slides/slide6.xml><?xml version="1.0" encoding="utf-8"?>
+<p:sld xmlns:a="http://schemas.openxmlformats.org/drawingml/2006/main" xmlns:r="http://schemas.openxmlformats.org/officeDocument/2006/relationships" xmlns:p="http://schemas.openxmlformats.org/presentationml/2006/main">
+  <p:cSld>
+    <p:spTree>
+      <p:nvGrpSpPr>
+        <p:cNvPr id="1" name=""/>
+        <p:cNvGrpSpPr/>
+        <p:nvPr/>
+      </p:nvGrpSpPr>
+      <p:grpSpPr>
+        <a:xfrm>
+          <a:off x="0" y="0"/>
+          <a:ext cx="0" cy="0"/>
+          <a:chOff x="0" y="0"/>
+          <a:chExt cx="0" cy="0"/>
+        </a:xfrm>
+      </p:grpSpPr>
+      <p:pic>
+        <p:nvPicPr>
+          <p:cNvPr id="3" name="Picture 2"/>
+          <p:cNvPicPr>
+            <a:picLocks noChangeAspect="1"/>
+          </p:cNvPicPr>
+          <p:nvPr/>
+        </p:nvPicPr>
+        <p:blipFill>
+          <a:blip r:embed="rId2">
+            <a:extLst>
+              <a:ext uri="{28A0092B-C50C-407E-A947-70E740481C1C}">
+                <a14:useLocalDpi xmlns:a14="http://schemas.microsoft.com/office/drawing/2010/main" val="0"/>
+              </a:ext>
+            </a:extLst>
+          </a:blip>
+          <a:stretch>
+            <a:fillRect/>
+          </a:stretch>
+        </p:blipFill>
+        <p:spPr>
+          <a:xfrm>
+            <a:off x="0" y="0"/>
+            <a:ext cx="9144000" cy="6858000"/>
+          </a:xfrm>
+          <a:prstGeom prst="rect">
+            <a:avLst/>
+          </a:prstGeom>
+        </p:spPr>
+      </p:pic>
+    </p:spTree>
+    <p:extLst>
+      <p:ext uri="{BB962C8B-B14F-4D97-AF65-F5344CB8AC3E}">
+        <p14:creationId xmlns:p14="http://schemas.microsoft.com/office/powerpoint/2010/main" val="2906968030"/>
+      </p:ext>
+    </p:extLst>
+  </p:cSld>
+  <p:clrMapOvr>
+    <a:masterClrMapping/>
+  </p:clrMapOvr>
+</p:sld>
+</file>
+
+<file path=ppt/slides/slide7.xml><?xml version="1.0" encoding="utf-8"?>
+<p:sld xmlns:a="http://schemas.openxmlformats.org/drawingml/2006/main" xmlns:r="http://schemas.openxmlformats.org/officeDocument/2006/relationships" xmlns:p="http://schemas.openxmlformats.org/presentationml/2006/main">
+  <p:cSld>
+    <p:spTree>
+      <p:nvGrpSpPr>
+        <p:cNvPr id="1" name=""/>
+        <p:cNvGrpSpPr/>
+        <p:nvPr/>
+      </p:nvGrpSpPr>
+      <p:grpSpPr>
+        <a:xfrm>
+          <a:off x="0" y="0"/>
+          <a:ext cx="0" cy="0"/>
+          <a:chOff x="0" y="0"/>
+          <a:chExt cx="0" cy="0"/>
+        </a:xfrm>
+      </p:grpSpPr>
+      <p:pic>
+        <p:nvPicPr>
+          <p:cNvPr id="2" name="Picture 1"/>
+          <p:cNvPicPr>
+            <a:picLocks noChangeAspect="1"/>
+          </p:cNvPicPr>
+          <p:nvPr/>
+        </p:nvPicPr>
+        <p:blipFill>
+          <a:blip r:embed="rId2">
+            <a:extLst>
+              <a:ext uri="{28A0092B-C50C-407E-A947-70E740481C1C}">
+                <a14:useLocalDpi xmlns:a14="http://schemas.microsoft.com/office/drawing/2010/main" val="0"/>
+              </a:ext>
+            </a:extLst>
+          </a:blip>
+          <a:stretch>
+            <a:fillRect/>
+          </a:stretch>
+        </p:blipFill>
+        <p:spPr>
+          <a:xfrm>
+            <a:off x="0" y="857250"/>
+            <a:ext cx="9144000" cy="5143500"/>
+          </a:xfrm>
+          <a:prstGeom prst="rect">
+            <a:avLst/>
+          </a:prstGeom>
+        </p:spPr>
+      </p:pic>
+    </p:spTree>
+    <p:extLst>
+      <p:ext uri="{BB962C8B-B14F-4D97-AF65-F5344CB8AC3E}">
+        <p14:creationId xmlns:p14="http://schemas.microsoft.com/office/powerpoint/2010/main" val="2644424734"/>
+      </p:ext>
+    </p:extLst>
+  </p:cSld>
+  <p:clrMapOvr>
+    <a:masterClrMapping/>
+  </p:clrMapOvr>
+</p:sld>
+</file>
+
+<file path=ppt/slides/slide8.xml><?xml version="1.0" encoding="utf-8"?>
+<p:sld xmlns:a="http://schemas.openxmlformats.org/drawingml/2006/main" xmlns:r="http://schemas.openxmlformats.org/officeDocument/2006/relationships" xmlns:p="http://schemas.openxmlformats.org/presentationml/2006/main">
+  <p:cSld>
+    <p:spTree>
+      <p:nvGrpSpPr>
+        <p:cNvPr id="1" name=""/>
+        <p:cNvGrpSpPr/>
+        <p:nvPr/>
+      </p:nvGrpSpPr>
+      <p:grpSpPr>
+        <a:xfrm>
+          <a:off x="0" y="0"/>
+          <a:ext cx="0" cy="0"/>
+          <a:chOff x="0" y="0"/>
+          <a:chExt cx="0" cy="0"/>
+        </a:xfrm>
+      </p:grpSpPr>
+    </p:spTree>
+    <p:extLst>
+      <p:ext uri="{BB962C8B-B14F-4D97-AF65-F5344CB8AC3E}">
+        <p14:creationId xmlns:p14="http://schemas.microsoft.com/office/powerpoint/2010/main" val="1014101041"/>
       </p:ext>
     </p:extLst>
   </p:cSld>
